--- a/Präsentation/Funktionsweise.pptx
+++ b/Präsentation/Funktionsweise.pptx
@@ -5782,7 +5782,7 @@
         <p:spPr>
           <a:xfrm>
             <a:off x="600709" y="1198563"/>
-            <a:ext cx="7939408" cy="4745037"/>
+            <a:ext cx="7939408" cy="4745036"/>
           </a:xfrm>
         </p:spPr>
       </p:pic>
@@ -7623,7 +7623,7 @@
         <p:spPr>
           <a:xfrm>
             <a:off x="5791200" y="4060399"/>
-            <a:ext cx="3169520" cy="1894284"/>
+            <a:ext cx="3169520" cy="1894283"/>
           </a:xfrm>
           <a:prstGeom prst="rect">
             <a:avLst/>
@@ -7784,703 +7784,6 @@
             <a:r>
               <a:rPr lang="de-DE" dirty="0" smtClean="0"/>
               <a:t>Datenverarbeitung</a:t>
-            </a:r>
-            <a:endParaRPr lang="de-DE" dirty="0"/>
-          </a:p>
-        </p:txBody>
-      </p:sp>
-      <p:sp>
-        <p:nvSpPr>
-          <p:cNvPr id="4" name="Fußzeilenplatzhalter 3"/>
-          <p:cNvSpPr>
-            <a:spLocks noGrp="1"/>
-          </p:cNvSpPr>
-          <p:nvPr>
-            <p:ph type="ftr" sz="quarter" idx="4294967295"/>
-          </p:nvPr>
-        </p:nvSpPr>
-        <p:spPr>
-          <a:xfrm>
-            <a:off x="1288027" y="6445250"/>
-            <a:ext cx="4542502" cy="360363"/>
-          </a:xfrm>
-        </p:spPr>
-        <p:txBody>
-          <a:bodyPr/>
-          <a:lstStyle/>
-          <a:p>
-            <a:r>
-              <a:rPr lang="de-DE" dirty="0" err="1"/>
-              <a:t>Advanced</a:t>
-            </a:r>
-            <a:r>
-              <a:rPr lang="de-DE" dirty="0"/>
-              <a:t> ROS Network </a:t>
-            </a:r>
-            <a:r>
-              <a:rPr lang="de-DE" dirty="0" err="1"/>
-              <a:t>Introspection</a:t>
-            </a:r>
-            <a:endParaRPr lang="de-DE" dirty="0"/>
-          </a:p>
-        </p:txBody>
-      </p:sp>
-      <p:grpSp>
-        <p:nvGrpSpPr>
-          <p:cNvPr id="18" name="Gruppieren 21"/>
-          <p:cNvGrpSpPr/>
-          <p:nvPr/>
-        </p:nvGrpSpPr>
-        <p:grpSpPr>
-          <a:xfrm>
-            <a:off x="25400" y="5986694"/>
-            <a:ext cx="9072000" cy="322630"/>
-            <a:chOff x="25400" y="5986694"/>
-            <a:chExt cx="9072000" cy="322630"/>
-          </a:xfrm>
-        </p:grpSpPr>
-        <p:sp>
-          <p:nvSpPr>
-            <p:cNvPr id="19" name="Textfeld 13"/>
-            <p:cNvSpPr txBox="1"/>
-            <p:nvPr/>
-          </p:nvSpPr>
-          <p:spPr>
-            <a:xfrm>
-              <a:off x="1745265" y="6032322"/>
-              <a:ext cx="1340432" cy="276999"/>
-            </a:xfrm>
-            <a:prstGeom prst="rect">
-              <a:avLst/>
-            </a:prstGeom>
-          </p:spPr>
-          <p:style>
-            <a:lnRef idx="2">
-              <a:schemeClr val="accent3"/>
-            </a:lnRef>
-            <a:fillRef idx="1">
-              <a:schemeClr val="lt1"/>
-            </a:fillRef>
-            <a:effectRef idx="0">
-              <a:schemeClr val="accent3"/>
-            </a:effectRef>
-            <a:fontRef idx="minor">
-              <a:schemeClr val="dk1"/>
-            </a:fontRef>
-          </p:style>
-          <p:txBody>
-            <a:bodyPr wrap="none" rtlCol="0">
-              <a:spAutoFit/>
-            </a:bodyPr>
-            <a:lstStyle/>
-            <a:p>
-              <a:r>
-                <a:rPr lang="en-US" sz="1200" b="1" dirty="0" err="1" smtClean="0"/>
-                <a:t>Funktionsweise</a:t>
-              </a:r>
-              <a:endParaRPr lang="en-US" sz="1200" b="1" dirty="0" smtClean="0"/>
-            </a:p>
-          </p:txBody>
-        </p:sp>
-        <p:sp>
-          <p:nvSpPr>
-            <p:cNvPr id="20" name="Textfeld 14"/>
-            <p:cNvSpPr txBox="1"/>
-            <p:nvPr/>
-          </p:nvSpPr>
-          <p:spPr>
-            <a:xfrm>
-              <a:off x="6573970" y="6032325"/>
-              <a:ext cx="893193" cy="276999"/>
-            </a:xfrm>
-            <a:prstGeom prst="rect">
-              <a:avLst/>
-            </a:prstGeom>
-          </p:spPr>
-          <p:style>
-            <a:lnRef idx="2">
-              <a:schemeClr val="accent3"/>
-            </a:lnRef>
-            <a:fillRef idx="1">
-              <a:schemeClr val="lt1"/>
-            </a:fillRef>
-            <a:effectRef idx="0">
-              <a:schemeClr val="accent3"/>
-            </a:effectRef>
-            <a:fontRef idx="minor">
-              <a:schemeClr val="dk1"/>
-            </a:fontRef>
-          </p:style>
-          <p:txBody>
-            <a:bodyPr wrap="none" rtlCol="0">
-              <a:spAutoFit/>
-            </a:bodyPr>
-            <a:lstStyle/>
-            <a:p>
-              <a:r>
-                <a:rPr lang="en-US" sz="1200" dirty="0" err="1" smtClean="0"/>
-                <a:t>Statistiken</a:t>
-              </a:r>
-              <a:endParaRPr lang="en-US" sz="1200" dirty="0" smtClean="0"/>
-            </a:p>
-          </p:txBody>
-        </p:sp>
-        <p:sp>
-          <p:nvSpPr>
-            <p:cNvPr id="21" name="Textfeld 20"/>
-            <p:cNvSpPr txBox="1"/>
-            <p:nvPr/>
-          </p:nvSpPr>
-          <p:spPr>
-            <a:xfrm>
-              <a:off x="3596352" y="6032323"/>
-              <a:ext cx="917239" cy="276999"/>
-            </a:xfrm>
-            <a:prstGeom prst="rect">
-              <a:avLst/>
-            </a:prstGeom>
-          </p:spPr>
-          <p:style>
-            <a:lnRef idx="2">
-              <a:schemeClr val="accent3"/>
-            </a:lnRef>
-            <a:fillRef idx="1">
-              <a:schemeClr val="lt1"/>
-            </a:fillRef>
-            <a:effectRef idx="0">
-              <a:schemeClr val="accent3"/>
-            </a:effectRef>
-            <a:fontRef idx="minor">
-              <a:schemeClr val="dk1"/>
-            </a:fontRef>
-          </p:style>
-          <p:txBody>
-            <a:bodyPr wrap="none" rtlCol="0">
-              <a:spAutoFit/>
-            </a:bodyPr>
-            <a:lstStyle/>
-            <a:p>
-              <a:r>
-                <a:rPr lang="en-US" sz="1200" dirty="0" smtClean="0"/>
-                <a:t>Live Demo</a:t>
-              </a:r>
-            </a:p>
-          </p:txBody>
-        </p:sp>
-        <p:sp>
-          <p:nvSpPr>
-            <p:cNvPr id="22" name="Textfeld 21"/>
-            <p:cNvSpPr txBox="1"/>
-            <p:nvPr/>
-          </p:nvSpPr>
-          <p:spPr>
-            <a:xfrm>
-              <a:off x="8077200" y="6031376"/>
-              <a:ext cx="518091" cy="276999"/>
-            </a:xfrm>
-            <a:prstGeom prst="rect">
-              <a:avLst/>
-            </a:prstGeom>
-            <a:ln/>
-          </p:spPr>
-          <p:style>
-            <a:lnRef idx="2">
-              <a:schemeClr val="accent3"/>
-            </a:lnRef>
-            <a:fillRef idx="1">
-              <a:schemeClr val="lt1"/>
-            </a:fillRef>
-            <a:effectRef idx="0">
-              <a:schemeClr val="accent3"/>
-            </a:effectRef>
-            <a:fontRef idx="minor">
-              <a:schemeClr val="dk1"/>
-            </a:fontRef>
-          </p:style>
-          <p:txBody>
-            <a:bodyPr wrap="none" rtlCol="0">
-              <a:spAutoFit/>
-            </a:bodyPr>
-            <a:lstStyle/>
-            <a:p>
-              <a:r>
-                <a:rPr lang="en-US" sz="1200" dirty="0" err="1" smtClean="0"/>
-                <a:t>Fazit</a:t>
-              </a:r>
-              <a:endParaRPr lang="en-US" sz="1200" dirty="0" smtClean="0"/>
-            </a:p>
-          </p:txBody>
-        </p:sp>
-        <p:sp>
-          <p:nvSpPr>
-            <p:cNvPr id="23" name="Textfeld 22"/>
-            <p:cNvSpPr txBox="1"/>
-            <p:nvPr/>
-          </p:nvSpPr>
-          <p:spPr>
-            <a:xfrm>
-              <a:off x="179512" y="6032321"/>
-              <a:ext cx="883575" cy="276999"/>
-            </a:xfrm>
-            <a:prstGeom prst="rect">
-              <a:avLst/>
-            </a:prstGeom>
-          </p:spPr>
-          <p:style>
-            <a:lnRef idx="2">
-              <a:schemeClr val="accent3"/>
-            </a:lnRef>
-            <a:fillRef idx="1">
-              <a:schemeClr val="lt1"/>
-            </a:fillRef>
-            <a:effectRef idx="0">
-              <a:schemeClr val="accent3"/>
-            </a:effectRef>
-            <a:fontRef idx="minor">
-              <a:schemeClr val="dk1"/>
-            </a:fontRef>
-          </p:style>
-          <p:txBody>
-            <a:bodyPr wrap="none" rtlCol="0">
-              <a:spAutoFit/>
-            </a:bodyPr>
-            <a:lstStyle/>
-            <a:p>
-              <a:r>
-                <a:rPr lang="en-US" sz="1200" dirty="0" smtClean="0"/>
-                <a:t>Motivation</a:t>
-              </a:r>
-            </a:p>
-          </p:txBody>
-        </p:sp>
-        <p:sp>
-          <p:nvSpPr>
-            <p:cNvPr id="24" name="Eingekerbter Richtungspfeil 23"/>
-            <p:cNvSpPr/>
-            <p:nvPr/>
-          </p:nvSpPr>
-          <p:spPr>
-            <a:xfrm>
-              <a:off x="1360996" y="6091573"/>
-              <a:ext cx="158496" cy="158496"/>
-            </a:xfrm>
-            <a:prstGeom prst="chevron">
-              <a:avLst/>
-            </a:prstGeom>
-          </p:spPr>
-          <p:style>
-            <a:lnRef idx="1">
-              <a:schemeClr val="accent4"/>
-            </a:lnRef>
-            <a:fillRef idx="2">
-              <a:schemeClr val="accent4"/>
-            </a:fillRef>
-            <a:effectRef idx="1">
-              <a:schemeClr val="accent4"/>
-            </a:effectRef>
-            <a:fontRef idx="minor">
-              <a:schemeClr val="dk1"/>
-            </a:fontRef>
-          </p:style>
-          <p:txBody>
-            <a:bodyPr rtlCol="0" anchor="ctr"/>
-            <a:lstStyle/>
-            <a:p>
-              <a:pPr algn="ctr"/>
-              <a:endParaRPr lang="de-DE">
-                <a:solidFill>
-                  <a:schemeClr val="tx1"/>
-                </a:solidFill>
-              </a:endParaRPr>
-            </a:p>
-          </p:txBody>
-        </p:sp>
-        <p:sp>
-          <p:nvSpPr>
-            <p:cNvPr id="25" name="Eingekerbter Richtungspfeil 24"/>
-            <p:cNvSpPr/>
-            <p:nvPr/>
-          </p:nvSpPr>
-          <p:spPr>
-            <a:xfrm>
-              <a:off x="3212083" y="6091574"/>
-              <a:ext cx="158496" cy="158496"/>
-            </a:xfrm>
-            <a:prstGeom prst="chevron">
-              <a:avLst/>
-            </a:prstGeom>
-          </p:spPr>
-          <p:style>
-            <a:lnRef idx="1">
-              <a:schemeClr val="accent4"/>
-            </a:lnRef>
-            <a:fillRef idx="2">
-              <a:schemeClr val="accent4"/>
-            </a:fillRef>
-            <a:effectRef idx="1">
-              <a:schemeClr val="accent4"/>
-            </a:effectRef>
-            <a:fontRef idx="minor">
-              <a:schemeClr val="dk1"/>
-            </a:fontRef>
-          </p:style>
-          <p:txBody>
-            <a:bodyPr rtlCol="0" anchor="ctr"/>
-            <a:lstStyle/>
-            <a:p>
-              <a:pPr algn="ctr"/>
-              <a:endParaRPr lang="de-DE">
-                <a:solidFill>
-                  <a:schemeClr val="tx1"/>
-                </a:solidFill>
-              </a:endParaRPr>
-            </a:p>
-          </p:txBody>
-        </p:sp>
-        <p:sp>
-          <p:nvSpPr>
-            <p:cNvPr id="26" name="Eingekerbter Richtungspfeil 25"/>
-            <p:cNvSpPr/>
-            <p:nvPr/>
-          </p:nvSpPr>
-          <p:spPr>
-            <a:xfrm>
-              <a:off x="4739364" y="6091575"/>
-              <a:ext cx="158496" cy="158496"/>
-            </a:xfrm>
-            <a:prstGeom prst="chevron">
-              <a:avLst/>
-            </a:prstGeom>
-          </p:spPr>
-          <p:style>
-            <a:lnRef idx="1">
-              <a:schemeClr val="accent4"/>
-            </a:lnRef>
-            <a:fillRef idx="2">
-              <a:schemeClr val="accent4"/>
-            </a:fillRef>
-            <a:effectRef idx="1">
-              <a:schemeClr val="accent4"/>
-            </a:effectRef>
-            <a:fontRef idx="minor">
-              <a:schemeClr val="dk1"/>
-            </a:fontRef>
-          </p:style>
-          <p:txBody>
-            <a:bodyPr rtlCol="0" anchor="ctr"/>
-            <a:lstStyle/>
-            <a:p>
-              <a:pPr algn="ctr"/>
-              <a:endParaRPr lang="de-DE">
-                <a:solidFill>
-                  <a:schemeClr val="tx1"/>
-                </a:solidFill>
-              </a:endParaRPr>
-            </a:p>
-          </p:txBody>
-        </p:sp>
-        <p:sp>
-          <p:nvSpPr>
-            <p:cNvPr id="27" name="Textfeld 26"/>
-            <p:cNvSpPr txBox="1"/>
-            <p:nvPr/>
-          </p:nvSpPr>
-          <p:spPr>
-            <a:xfrm>
-              <a:off x="5123633" y="6032324"/>
-              <a:ext cx="840295" cy="276999"/>
-            </a:xfrm>
-            <a:prstGeom prst="rect">
-              <a:avLst/>
-            </a:prstGeom>
-          </p:spPr>
-          <p:style>
-            <a:lnRef idx="2">
-              <a:schemeClr val="accent3"/>
-            </a:lnRef>
-            <a:fillRef idx="1">
-              <a:schemeClr val="lt1"/>
-            </a:fillRef>
-            <a:effectRef idx="0">
-              <a:schemeClr val="accent3"/>
-            </a:effectRef>
-            <a:fontRef idx="minor">
-              <a:schemeClr val="dk1"/>
-            </a:fontRef>
-          </p:style>
-          <p:txBody>
-            <a:bodyPr wrap="none" rtlCol="0">
-              <a:spAutoFit/>
-            </a:bodyPr>
-            <a:lstStyle/>
-            <a:p>
-              <a:r>
-                <a:rPr lang="en-US" sz="1200" dirty="0" err="1" smtClean="0"/>
-                <a:t>Probleme</a:t>
-              </a:r>
-              <a:endParaRPr lang="en-US" sz="1200" dirty="0" smtClean="0"/>
-            </a:p>
-          </p:txBody>
-        </p:sp>
-        <p:sp>
-          <p:nvSpPr>
-            <p:cNvPr id="28" name="Eingekerbter Richtungspfeil 27"/>
-            <p:cNvSpPr/>
-            <p:nvPr/>
-          </p:nvSpPr>
-          <p:spPr>
-            <a:xfrm>
-              <a:off x="7692936" y="6091577"/>
-              <a:ext cx="158496" cy="158496"/>
-            </a:xfrm>
-            <a:prstGeom prst="chevron">
-              <a:avLst/>
-            </a:prstGeom>
-          </p:spPr>
-          <p:style>
-            <a:lnRef idx="1">
-              <a:schemeClr val="accent4"/>
-            </a:lnRef>
-            <a:fillRef idx="2">
-              <a:schemeClr val="accent4"/>
-            </a:fillRef>
-            <a:effectRef idx="1">
-              <a:schemeClr val="accent4"/>
-            </a:effectRef>
-            <a:fontRef idx="minor">
-              <a:schemeClr val="dk1"/>
-            </a:fontRef>
-          </p:style>
-          <p:txBody>
-            <a:bodyPr rtlCol="0" anchor="ctr"/>
-            <a:lstStyle/>
-            <a:p>
-              <a:pPr algn="ctr"/>
-              <a:endParaRPr lang="de-DE">
-                <a:solidFill>
-                  <a:schemeClr val="tx1"/>
-                </a:solidFill>
-              </a:endParaRPr>
-            </a:p>
-          </p:txBody>
-        </p:sp>
-        <p:cxnSp>
-          <p:nvCxnSpPr>
-            <p:cNvPr id="29" name="Gerade Verbindung 28"/>
-            <p:cNvCxnSpPr/>
-            <p:nvPr/>
-          </p:nvCxnSpPr>
-          <p:spPr>
-            <a:xfrm>
-              <a:off x="25400" y="5986694"/>
-              <a:ext cx="9072000" cy="1588"/>
-            </a:xfrm>
-            <a:prstGeom prst="line">
-              <a:avLst/>
-            </a:prstGeom>
-            <a:ln w="41275">
-              <a:solidFill>
-                <a:schemeClr val="accent3">
-                  <a:lumMod val="85000"/>
-                </a:schemeClr>
-              </a:solidFill>
-            </a:ln>
-          </p:spPr>
-          <p:style>
-            <a:lnRef idx="1">
-              <a:schemeClr val="accent1"/>
-            </a:lnRef>
-            <a:fillRef idx="0">
-              <a:schemeClr val="accent1"/>
-            </a:fillRef>
-            <a:effectRef idx="0">
-              <a:schemeClr val="accent1"/>
-            </a:effectRef>
-            <a:fontRef idx="minor">
-              <a:schemeClr val="tx1"/>
-            </a:fontRef>
-          </p:style>
-        </p:cxnSp>
-        <p:sp>
-          <p:nvSpPr>
-            <p:cNvPr id="30" name="Eingekerbter Richtungspfeil 29"/>
-            <p:cNvSpPr/>
-            <p:nvPr/>
-          </p:nvSpPr>
-          <p:spPr>
-            <a:xfrm>
-              <a:off x="6189701" y="6091576"/>
-              <a:ext cx="158496" cy="158496"/>
-            </a:xfrm>
-            <a:prstGeom prst="chevron">
-              <a:avLst/>
-            </a:prstGeom>
-          </p:spPr>
-          <p:style>
-            <a:lnRef idx="1">
-              <a:schemeClr val="accent4"/>
-            </a:lnRef>
-            <a:fillRef idx="2">
-              <a:schemeClr val="accent4"/>
-            </a:fillRef>
-            <a:effectRef idx="1">
-              <a:schemeClr val="accent4"/>
-            </a:effectRef>
-            <a:fontRef idx="minor">
-              <a:schemeClr val="dk1"/>
-            </a:fontRef>
-          </p:style>
-          <p:txBody>
-            <a:bodyPr rtlCol="0" anchor="ctr"/>
-            <a:lstStyle/>
-            <a:p>
-              <a:pPr algn="ctr"/>
-              <a:endParaRPr lang="de-DE">
-                <a:solidFill>
-                  <a:schemeClr val="tx1"/>
-                </a:solidFill>
-              </a:endParaRPr>
-            </a:p>
-          </p:txBody>
-        </p:sp>
-      </p:grpSp>
-      <p:pic>
-        <p:nvPicPr>
-          <p:cNvPr id="6" name="Grafik 5"/>
-          <p:cNvPicPr>
-            <a:picLocks noChangeAspect="1"/>
-          </p:cNvPicPr>
-          <p:nvPr/>
-        </p:nvPicPr>
-        <p:blipFill>
-          <a:blip r:embed="rId3" cstate="print">
-            <a:extLst>
-              <a:ext uri="{28A0092B-C50C-407E-A947-70E740481C1C}">
-                <a14:useLocalDpi xmlns:a14="http://schemas.microsoft.com/office/drawing/2010/main" val="0"/>
-              </a:ext>
-            </a:extLst>
-          </a:blip>
-          <a:stretch>
-            <a:fillRect/>
-          </a:stretch>
-        </p:blipFill>
-        <p:spPr>
-          <a:xfrm>
-            <a:off x="5791200" y="4060399"/>
-            <a:ext cx="3169520" cy="1894283"/>
-          </a:xfrm>
-          <a:prstGeom prst="rect">
-            <a:avLst/>
-          </a:prstGeom>
-        </p:spPr>
-      </p:pic>
-      <p:sp>
-        <p:nvSpPr>
-          <p:cNvPr id="3" name="Inhaltsplatzhalter 2"/>
-          <p:cNvSpPr>
-            <a:spLocks noGrp="1"/>
-          </p:cNvSpPr>
-          <p:nvPr>
-            <p:ph idx="1"/>
-          </p:nvPr>
-        </p:nvSpPr>
-        <p:spPr/>
-        <p:txBody>
-          <a:bodyPr/>
-          <a:lstStyle/>
-          <a:p>
-            <a:r>
-              <a:rPr lang="de-DE" dirty="0" smtClean="0"/>
-              <a:t>Laden von Spezifikationen auf den Parameterserver</a:t>
-            </a:r>
-          </a:p>
-          <a:p>
-            <a:r>
-              <a:rPr lang="de-DE" dirty="0" smtClean="0"/>
-              <a:t>Aggregierung von eingehenden Daten</a:t>
-            </a:r>
-          </a:p>
-          <a:p>
-            <a:r>
-              <a:rPr lang="de-DE" dirty="0" smtClean="0"/>
-              <a:t>Bewertung anhand der Spezifikationen</a:t>
-            </a:r>
-          </a:p>
-          <a:p>
-            <a:pPr lvl="1"/>
-            <a:r>
-              <a:rPr lang="de-DE" dirty="0" smtClean="0"/>
-              <a:t>Low, High, Ok, </a:t>
-            </a:r>
-            <a:r>
-              <a:rPr lang="de-DE" dirty="0" err="1" smtClean="0"/>
-              <a:t>Unknown</a:t>
-            </a:r>
-            <a:endParaRPr lang="de-DE" dirty="0" smtClean="0"/>
-          </a:p>
-          <a:p>
-            <a:r>
-              <a:rPr lang="de-DE" dirty="0" smtClean="0"/>
-              <a:t>Publizieren auf ein Topic</a:t>
-            </a:r>
-          </a:p>
-        </p:txBody>
-      </p:sp>
-    </p:spTree>
-    <p:extLst>
-      <p:ext uri="{BB962C8B-B14F-4D97-AF65-F5344CB8AC3E}">
-        <p14:creationId xmlns:p14="http://schemas.microsoft.com/office/powerpoint/2010/main" val="1307180034"/>
-      </p:ext>
-    </p:extLst>
-  </p:cSld>
-  <p:clrMapOvr>
-    <a:masterClrMapping/>
-  </p:clrMapOvr>
-  <p:timing>
-    <p:tnLst>
-      <p:par>
-        <p:cTn id="1" dur="indefinite" restart="never" nodeType="tmRoot"/>
-      </p:par>
-    </p:tnLst>
-  </p:timing>
-</p:sld>
-</file>
-
-<file path=ppt/slides/slide5.xml><?xml version="1.0" encoding="utf-8"?>
-<p:sld xmlns:a="http://schemas.openxmlformats.org/drawingml/2006/main" xmlns:r="http://schemas.openxmlformats.org/officeDocument/2006/relationships" xmlns:p="http://schemas.openxmlformats.org/presentationml/2006/main">
-  <p:cSld>
-    <p:spTree>
-      <p:nvGrpSpPr>
-        <p:cNvPr id="1" name=""/>
-        <p:cNvGrpSpPr/>
-        <p:nvPr/>
-      </p:nvGrpSpPr>
-      <p:grpSpPr>
-        <a:xfrm>
-          <a:off x="0" y="0"/>
-          <a:ext cx="0" cy="0"/>
-          <a:chOff x="0" y="0"/>
-          <a:chExt cx="0" cy="0"/>
-        </a:xfrm>
-      </p:grpSpPr>
-      <p:sp>
-        <p:nvSpPr>
-          <p:cNvPr id="2" name="Titel 1"/>
-          <p:cNvSpPr>
-            <a:spLocks noGrp="1"/>
-          </p:cNvSpPr>
-          <p:nvPr>
-            <p:ph type="title"/>
-          </p:nvPr>
-        </p:nvSpPr>
-        <p:spPr/>
-        <p:txBody>
-          <a:bodyPr/>
-          <a:lstStyle/>
-          <a:p>
-            <a:r>
-              <a:rPr lang="de-DE" dirty="0" smtClean="0"/>
-              <a:t>Gegenmaßnahmen</a:t>
             </a:r>
             <a:endParaRPr lang="de-DE" dirty="0"/>
           </a:p>
@@ -9065,6 +8368,703 @@
           <a:xfrm>
             <a:off x="5791200" y="4060399"/>
             <a:ext cx="3169519" cy="1894283"/>
+          </a:xfrm>
+          <a:prstGeom prst="rect">
+            <a:avLst/>
+          </a:prstGeom>
+        </p:spPr>
+      </p:pic>
+      <p:sp>
+        <p:nvSpPr>
+          <p:cNvPr id="3" name="Inhaltsplatzhalter 2"/>
+          <p:cNvSpPr>
+            <a:spLocks noGrp="1"/>
+          </p:cNvSpPr>
+          <p:nvPr>
+            <p:ph idx="1"/>
+          </p:nvPr>
+        </p:nvSpPr>
+        <p:spPr/>
+        <p:txBody>
+          <a:bodyPr/>
+          <a:lstStyle/>
+          <a:p>
+            <a:r>
+              <a:rPr lang="de-DE" dirty="0" smtClean="0"/>
+              <a:t>Laden von Spezifikationen auf den Parameterserver</a:t>
+            </a:r>
+          </a:p>
+          <a:p>
+            <a:r>
+              <a:rPr lang="de-DE" dirty="0" smtClean="0"/>
+              <a:t>Aggregierung von eingehenden Daten</a:t>
+            </a:r>
+          </a:p>
+          <a:p>
+            <a:r>
+              <a:rPr lang="de-DE" dirty="0" smtClean="0"/>
+              <a:t>Bewertung anhand der Spezifikationen</a:t>
+            </a:r>
+          </a:p>
+          <a:p>
+            <a:pPr lvl="1"/>
+            <a:r>
+              <a:rPr lang="de-DE" dirty="0" smtClean="0"/>
+              <a:t>Low, High, Ok, </a:t>
+            </a:r>
+            <a:r>
+              <a:rPr lang="de-DE" dirty="0" err="1" smtClean="0"/>
+              <a:t>Unknown</a:t>
+            </a:r>
+            <a:endParaRPr lang="de-DE" dirty="0" smtClean="0"/>
+          </a:p>
+          <a:p>
+            <a:r>
+              <a:rPr lang="de-DE" dirty="0" smtClean="0"/>
+              <a:t>Publizieren auf ein Topic</a:t>
+            </a:r>
+          </a:p>
+        </p:txBody>
+      </p:sp>
+    </p:spTree>
+    <p:extLst>
+      <p:ext uri="{BB962C8B-B14F-4D97-AF65-F5344CB8AC3E}">
+        <p14:creationId xmlns:p14="http://schemas.microsoft.com/office/powerpoint/2010/main" val="1307180034"/>
+      </p:ext>
+    </p:extLst>
+  </p:cSld>
+  <p:clrMapOvr>
+    <a:masterClrMapping/>
+  </p:clrMapOvr>
+  <p:timing>
+    <p:tnLst>
+      <p:par>
+        <p:cTn id="1" dur="indefinite" restart="never" nodeType="tmRoot"/>
+      </p:par>
+    </p:tnLst>
+  </p:timing>
+</p:sld>
+</file>
+
+<file path=ppt/slides/slide5.xml><?xml version="1.0" encoding="utf-8"?>
+<p:sld xmlns:a="http://schemas.openxmlformats.org/drawingml/2006/main" xmlns:r="http://schemas.openxmlformats.org/officeDocument/2006/relationships" xmlns:p="http://schemas.openxmlformats.org/presentationml/2006/main">
+  <p:cSld>
+    <p:spTree>
+      <p:nvGrpSpPr>
+        <p:cNvPr id="1" name=""/>
+        <p:cNvGrpSpPr/>
+        <p:nvPr/>
+      </p:nvGrpSpPr>
+      <p:grpSpPr>
+        <a:xfrm>
+          <a:off x="0" y="0"/>
+          <a:ext cx="0" cy="0"/>
+          <a:chOff x="0" y="0"/>
+          <a:chExt cx="0" cy="0"/>
+        </a:xfrm>
+      </p:grpSpPr>
+      <p:sp>
+        <p:nvSpPr>
+          <p:cNvPr id="2" name="Titel 1"/>
+          <p:cNvSpPr>
+            <a:spLocks noGrp="1"/>
+          </p:cNvSpPr>
+          <p:nvPr>
+            <p:ph type="title"/>
+          </p:nvPr>
+        </p:nvSpPr>
+        <p:spPr/>
+        <p:txBody>
+          <a:bodyPr/>
+          <a:lstStyle/>
+          <a:p>
+            <a:r>
+              <a:rPr lang="de-DE" dirty="0" smtClean="0"/>
+              <a:t>Gegenmaßnahmen</a:t>
+            </a:r>
+            <a:endParaRPr lang="de-DE" dirty="0"/>
+          </a:p>
+        </p:txBody>
+      </p:sp>
+      <p:sp>
+        <p:nvSpPr>
+          <p:cNvPr id="4" name="Fußzeilenplatzhalter 3"/>
+          <p:cNvSpPr>
+            <a:spLocks noGrp="1"/>
+          </p:cNvSpPr>
+          <p:nvPr>
+            <p:ph type="ftr" sz="quarter" idx="4294967295"/>
+          </p:nvPr>
+        </p:nvSpPr>
+        <p:spPr>
+          <a:xfrm>
+            <a:off x="1288027" y="6445250"/>
+            <a:ext cx="4542502" cy="360363"/>
+          </a:xfrm>
+        </p:spPr>
+        <p:txBody>
+          <a:bodyPr/>
+          <a:lstStyle/>
+          <a:p>
+            <a:r>
+              <a:rPr lang="de-DE" dirty="0" err="1"/>
+              <a:t>Advanced</a:t>
+            </a:r>
+            <a:r>
+              <a:rPr lang="de-DE" dirty="0"/>
+              <a:t> ROS Network </a:t>
+            </a:r>
+            <a:r>
+              <a:rPr lang="de-DE" dirty="0" err="1"/>
+              <a:t>Introspection</a:t>
+            </a:r>
+            <a:endParaRPr lang="de-DE" dirty="0"/>
+          </a:p>
+        </p:txBody>
+      </p:sp>
+      <p:grpSp>
+        <p:nvGrpSpPr>
+          <p:cNvPr id="18" name="Gruppieren 21"/>
+          <p:cNvGrpSpPr/>
+          <p:nvPr/>
+        </p:nvGrpSpPr>
+        <p:grpSpPr>
+          <a:xfrm>
+            <a:off x="25400" y="5986694"/>
+            <a:ext cx="9072000" cy="322630"/>
+            <a:chOff x="25400" y="5986694"/>
+            <a:chExt cx="9072000" cy="322630"/>
+          </a:xfrm>
+        </p:grpSpPr>
+        <p:sp>
+          <p:nvSpPr>
+            <p:cNvPr id="19" name="Textfeld 13"/>
+            <p:cNvSpPr txBox="1"/>
+            <p:nvPr/>
+          </p:nvSpPr>
+          <p:spPr>
+            <a:xfrm>
+              <a:off x="1745265" y="6032322"/>
+              <a:ext cx="1340432" cy="276999"/>
+            </a:xfrm>
+            <a:prstGeom prst="rect">
+              <a:avLst/>
+            </a:prstGeom>
+          </p:spPr>
+          <p:style>
+            <a:lnRef idx="2">
+              <a:schemeClr val="accent3"/>
+            </a:lnRef>
+            <a:fillRef idx="1">
+              <a:schemeClr val="lt1"/>
+            </a:fillRef>
+            <a:effectRef idx="0">
+              <a:schemeClr val="accent3"/>
+            </a:effectRef>
+            <a:fontRef idx="minor">
+              <a:schemeClr val="dk1"/>
+            </a:fontRef>
+          </p:style>
+          <p:txBody>
+            <a:bodyPr wrap="none" rtlCol="0">
+              <a:spAutoFit/>
+            </a:bodyPr>
+            <a:lstStyle/>
+            <a:p>
+              <a:r>
+                <a:rPr lang="en-US" sz="1200" b="1" dirty="0" err="1" smtClean="0"/>
+                <a:t>Funktionsweise</a:t>
+              </a:r>
+              <a:endParaRPr lang="en-US" sz="1200" b="1" dirty="0" smtClean="0"/>
+            </a:p>
+          </p:txBody>
+        </p:sp>
+        <p:sp>
+          <p:nvSpPr>
+            <p:cNvPr id="20" name="Textfeld 14"/>
+            <p:cNvSpPr txBox="1"/>
+            <p:nvPr/>
+          </p:nvSpPr>
+          <p:spPr>
+            <a:xfrm>
+              <a:off x="6573970" y="6032325"/>
+              <a:ext cx="893193" cy="276999"/>
+            </a:xfrm>
+            <a:prstGeom prst="rect">
+              <a:avLst/>
+            </a:prstGeom>
+          </p:spPr>
+          <p:style>
+            <a:lnRef idx="2">
+              <a:schemeClr val="accent3"/>
+            </a:lnRef>
+            <a:fillRef idx="1">
+              <a:schemeClr val="lt1"/>
+            </a:fillRef>
+            <a:effectRef idx="0">
+              <a:schemeClr val="accent3"/>
+            </a:effectRef>
+            <a:fontRef idx="minor">
+              <a:schemeClr val="dk1"/>
+            </a:fontRef>
+          </p:style>
+          <p:txBody>
+            <a:bodyPr wrap="none" rtlCol="0">
+              <a:spAutoFit/>
+            </a:bodyPr>
+            <a:lstStyle/>
+            <a:p>
+              <a:r>
+                <a:rPr lang="en-US" sz="1200" dirty="0" err="1" smtClean="0"/>
+                <a:t>Statistiken</a:t>
+              </a:r>
+              <a:endParaRPr lang="en-US" sz="1200" dirty="0" smtClean="0"/>
+            </a:p>
+          </p:txBody>
+        </p:sp>
+        <p:sp>
+          <p:nvSpPr>
+            <p:cNvPr id="21" name="Textfeld 20"/>
+            <p:cNvSpPr txBox="1"/>
+            <p:nvPr/>
+          </p:nvSpPr>
+          <p:spPr>
+            <a:xfrm>
+              <a:off x="3596352" y="6032323"/>
+              <a:ext cx="917239" cy="276999"/>
+            </a:xfrm>
+            <a:prstGeom prst="rect">
+              <a:avLst/>
+            </a:prstGeom>
+          </p:spPr>
+          <p:style>
+            <a:lnRef idx="2">
+              <a:schemeClr val="accent3"/>
+            </a:lnRef>
+            <a:fillRef idx="1">
+              <a:schemeClr val="lt1"/>
+            </a:fillRef>
+            <a:effectRef idx="0">
+              <a:schemeClr val="accent3"/>
+            </a:effectRef>
+            <a:fontRef idx="minor">
+              <a:schemeClr val="dk1"/>
+            </a:fontRef>
+          </p:style>
+          <p:txBody>
+            <a:bodyPr wrap="none" rtlCol="0">
+              <a:spAutoFit/>
+            </a:bodyPr>
+            <a:lstStyle/>
+            <a:p>
+              <a:r>
+                <a:rPr lang="en-US" sz="1200" dirty="0" smtClean="0"/>
+                <a:t>Live Demo</a:t>
+              </a:r>
+            </a:p>
+          </p:txBody>
+        </p:sp>
+        <p:sp>
+          <p:nvSpPr>
+            <p:cNvPr id="22" name="Textfeld 21"/>
+            <p:cNvSpPr txBox="1"/>
+            <p:nvPr/>
+          </p:nvSpPr>
+          <p:spPr>
+            <a:xfrm>
+              <a:off x="8077200" y="6031376"/>
+              <a:ext cx="518091" cy="276999"/>
+            </a:xfrm>
+            <a:prstGeom prst="rect">
+              <a:avLst/>
+            </a:prstGeom>
+            <a:ln/>
+          </p:spPr>
+          <p:style>
+            <a:lnRef idx="2">
+              <a:schemeClr val="accent3"/>
+            </a:lnRef>
+            <a:fillRef idx="1">
+              <a:schemeClr val="lt1"/>
+            </a:fillRef>
+            <a:effectRef idx="0">
+              <a:schemeClr val="accent3"/>
+            </a:effectRef>
+            <a:fontRef idx="minor">
+              <a:schemeClr val="dk1"/>
+            </a:fontRef>
+          </p:style>
+          <p:txBody>
+            <a:bodyPr wrap="none" rtlCol="0">
+              <a:spAutoFit/>
+            </a:bodyPr>
+            <a:lstStyle/>
+            <a:p>
+              <a:r>
+                <a:rPr lang="en-US" sz="1200" dirty="0" err="1" smtClean="0"/>
+                <a:t>Fazit</a:t>
+              </a:r>
+              <a:endParaRPr lang="en-US" sz="1200" dirty="0" smtClean="0"/>
+            </a:p>
+          </p:txBody>
+        </p:sp>
+        <p:sp>
+          <p:nvSpPr>
+            <p:cNvPr id="23" name="Textfeld 22"/>
+            <p:cNvSpPr txBox="1"/>
+            <p:nvPr/>
+          </p:nvSpPr>
+          <p:spPr>
+            <a:xfrm>
+              <a:off x="179512" y="6032321"/>
+              <a:ext cx="883575" cy="276999"/>
+            </a:xfrm>
+            <a:prstGeom prst="rect">
+              <a:avLst/>
+            </a:prstGeom>
+          </p:spPr>
+          <p:style>
+            <a:lnRef idx="2">
+              <a:schemeClr val="accent3"/>
+            </a:lnRef>
+            <a:fillRef idx="1">
+              <a:schemeClr val="lt1"/>
+            </a:fillRef>
+            <a:effectRef idx="0">
+              <a:schemeClr val="accent3"/>
+            </a:effectRef>
+            <a:fontRef idx="minor">
+              <a:schemeClr val="dk1"/>
+            </a:fontRef>
+          </p:style>
+          <p:txBody>
+            <a:bodyPr wrap="none" rtlCol="0">
+              <a:spAutoFit/>
+            </a:bodyPr>
+            <a:lstStyle/>
+            <a:p>
+              <a:r>
+                <a:rPr lang="en-US" sz="1200" dirty="0" smtClean="0"/>
+                <a:t>Motivation</a:t>
+              </a:r>
+            </a:p>
+          </p:txBody>
+        </p:sp>
+        <p:sp>
+          <p:nvSpPr>
+            <p:cNvPr id="24" name="Eingekerbter Richtungspfeil 23"/>
+            <p:cNvSpPr/>
+            <p:nvPr/>
+          </p:nvSpPr>
+          <p:spPr>
+            <a:xfrm>
+              <a:off x="1360996" y="6091573"/>
+              <a:ext cx="158496" cy="158496"/>
+            </a:xfrm>
+            <a:prstGeom prst="chevron">
+              <a:avLst/>
+            </a:prstGeom>
+          </p:spPr>
+          <p:style>
+            <a:lnRef idx="1">
+              <a:schemeClr val="accent4"/>
+            </a:lnRef>
+            <a:fillRef idx="2">
+              <a:schemeClr val="accent4"/>
+            </a:fillRef>
+            <a:effectRef idx="1">
+              <a:schemeClr val="accent4"/>
+            </a:effectRef>
+            <a:fontRef idx="minor">
+              <a:schemeClr val="dk1"/>
+            </a:fontRef>
+          </p:style>
+          <p:txBody>
+            <a:bodyPr rtlCol="0" anchor="ctr"/>
+            <a:lstStyle/>
+            <a:p>
+              <a:pPr algn="ctr"/>
+              <a:endParaRPr lang="de-DE">
+                <a:solidFill>
+                  <a:schemeClr val="tx1"/>
+                </a:solidFill>
+              </a:endParaRPr>
+            </a:p>
+          </p:txBody>
+        </p:sp>
+        <p:sp>
+          <p:nvSpPr>
+            <p:cNvPr id="25" name="Eingekerbter Richtungspfeil 24"/>
+            <p:cNvSpPr/>
+            <p:nvPr/>
+          </p:nvSpPr>
+          <p:spPr>
+            <a:xfrm>
+              <a:off x="3212083" y="6091574"/>
+              <a:ext cx="158496" cy="158496"/>
+            </a:xfrm>
+            <a:prstGeom prst="chevron">
+              <a:avLst/>
+            </a:prstGeom>
+          </p:spPr>
+          <p:style>
+            <a:lnRef idx="1">
+              <a:schemeClr val="accent4"/>
+            </a:lnRef>
+            <a:fillRef idx="2">
+              <a:schemeClr val="accent4"/>
+            </a:fillRef>
+            <a:effectRef idx="1">
+              <a:schemeClr val="accent4"/>
+            </a:effectRef>
+            <a:fontRef idx="minor">
+              <a:schemeClr val="dk1"/>
+            </a:fontRef>
+          </p:style>
+          <p:txBody>
+            <a:bodyPr rtlCol="0" anchor="ctr"/>
+            <a:lstStyle/>
+            <a:p>
+              <a:pPr algn="ctr"/>
+              <a:endParaRPr lang="de-DE">
+                <a:solidFill>
+                  <a:schemeClr val="tx1"/>
+                </a:solidFill>
+              </a:endParaRPr>
+            </a:p>
+          </p:txBody>
+        </p:sp>
+        <p:sp>
+          <p:nvSpPr>
+            <p:cNvPr id="26" name="Eingekerbter Richtungspfeil 25"/>
+            <p:cNvSpPr/>
+            <p:nvPr/>
+          </p:nvSpPr>
+          <p:spPr>
+            <a:xfrm>
+              <a:off x="4739364" y="6091575"/>
+              <a:ext cx="158496" cy="158496"/>
+            </a:xfrm>
+            <a:prstGeom prst="chevron">
+              <a:avLst/>
+            </a:prstGeom>
+          </p:spPr>
+          <p:style>
+            <a:lnRef idx="1">
+              <a:schemeClr val="accent4"/>
+            </a:lnRef>
+            <a:fillRef idx="2">
+              <a:schemeClr val="accent4"/>
+            </a:fillRef>
+            <a:effectRef idx="1">
+              <a:schemeClr val="accent4"/>
+            </a:effectRef>
+            <a:fontRef idx="minor">
+              <a:schemeClr val="dk1"/>
+            </a:fontRef>
+          </p:style>
+          <p:txBody>
+            <a:bodyPr rtlCol="0" anchor="ctr"/>
+            <a:lstStyle/>
+            <a:p>
+              <a:pPr algn="ctr"/>
+              <a:endParaRPr lang="de-DE">
+                <a:solidFill>
+                  <a:schemeClr val="tx1"/>
+                </a:solidFill>
+              </a:endParaRPr>
+            </a:p>
+          </p:txBody>
+        </p:sp>
+        <p:sp>
+          <p:nvSpPr>
+            <p:cNvPr id="27" name="Textfeld 26"/>
+            <p:cNvSpPr txBox="1"/>
+            <p:nvPr/>
+          </p:nvSpPr>
+          <p:spPr>
+            <a:xfrm>
+              <a:off x="5123633" y="6032324"/>
+              <a:ext cx="840295" cy="276999"/>
+            </a:xfrm>
+            <a:prstGeom prst="rect">
+              <a:avLst/>
+            </a:prstGeom>
+          </p:spPr>
+          <p:style>
+            <a:lnRef idx="2">
+              <a:schemeClr val="accent3"/>
+            </a:lnRef>
+            <a:fillRef idx="1">
+              <a:schemeClr val="lt1"/>
+            </a:fillRef>
+            <a:effectRef idx="0">
+              <a:schemeClr val="accent3"/>
+            </a:effectRef>
+            <a:fontRef idx="minor">
+              <a:schemeClr val="dk1"/>
+            </a:fontRef>
+          </p:style>
+          <p:txBody>
+            <a:bodyPr wrap="none" rtlCol="0">
+              <a:spAutoFit/>
+            </a:bodyPr>
+            <a:lstStyle/>
+            <a:p>
+              <a:r>
+                <a:rPr lang="en-US" sz="1200" dirty="0" err="1" smtClean="0"/>
+                <a:t>Probleme</a:t>
+              </a:r>
+              <a:endParaRPr lang="en-US" sz="1200" dirty="0" smtClean="0"/>
+            </a:p>
+          </p:txBody>
+        </p:sp>
+        <p:sp>
+          <p:nvSpPr>
+            <p:cNvPr id="28" name="Eingekerbter Richtungspfeil 27"/>
+            <p:cNvSpPr/>
+            <p:nvPr/>
+          </p:nvSpPr>
+          <p:spPr>
+            <a:xfrm>
+              <a:off x="7692936" y="6091577"/>
+              <a:ext cx="158496" cy="158496"/>
+            </a:xfrm>
+            <a:prstGeom prst="chevron">
+              <a:avLst/>
+            </a:prstGeom>
+          </p:spPr>
+          <p:style>
+            <a:lnRef idx="1">
+              <a:schemeClr val="accent4"/>
+            </a:lnRef>
+            <a:fillRef idx="2">
+              <a:schemeClr val="accent4"/>
+            </a:fillRef>
+            <a:effectRef idx="1">
+              <a:schemeClr val="accent4"/>
+            </a:effectRef>
+            <a:fontRef idx="minor">
+              <a:schemeClr val="dk1"/>
+            </a:fontRef>
+          </p:style>
+          <p:txBody>
+            <a:bodyPr rtlCol="0" anchor="ctr"/>
+            <a:lstStyle/>
+            <a:p>
+              <a:pPr algn="ctr"/>
+              <a:endParaRPr lang="de-DE">
+                <a:solidFill>
+                  <a:schemeClr val="tx1"/>
+                </a:solidFill>
+              </a:endParaRPr>
+            </a:p>
+          </p:txBody>
+        </p:sp>
+        <p:cxnSp>
+          <p:nvCxnSpPr>
+            <p:cNvPr id="29" name="Gerade Verbindung 28"/>
+            <p:cNvCxnSpPr/>
+            <p:nvPr/>
+          </p:nvCxnSpPr>
+          <p:spPr>
+            <a:xfrm>
+              <a:off x="25400" y="5986694"/>
+              <a:ext cx="9072000" cy="1588"/>
+            </a:xfrm>
+            <a:prstGeom prst="line">
+              <a:avLst/>
+            </a:prstGeom>
+            <a:ln w="41275">
+              <a:solidFill>
+                <a:schemeClr val="accent3">
+                  <a:lumMod val="85000"/>
+                </a:schemeClr>
+              </a:solidFill>
+            </a:ln>
+          </p:spPr>
+          <p:style>
+            <a:lnRef idx="1">
+              <a:schemeClr val="accent1"/>
+            </a:lnRef>
+            <a:fillRef idx="0">
+              <a:schemeClr val="accent1"/>
+            </a:fillRef>
+            <a:effectRef idx="0">
+              <a:schemeClr val="accent1"/>
+            </a:effectRef>
+            <a:fontRef idx="minor">
+              <a:schemeClr val="tx1"/>
+            </a:fontRef>
+          </p:style>
+        </p:cxnSp>
+        <p:sp>
+          <p:nvSpPr>
+            <p:cNvPr id="30" name="Eingekerbter Richtungspfeil 29"/>
+            <p:cNvSpPr/>
+            <p:nvPr/>
+          </p:nvSpPr>
+          <p:spPr>
+            <a:xfrm>
+              <a:off x="6189701" y="6091576"/>
+              <a:ext cx="158496" cy="158496"/>
+            </a:xfrm>
+            <a:prstGeom prst="chevron">
+              <a:avLst/>
+            </a:prstGeom>
+          </p:spPr>
+          <p:style>
+            <a:lnRef idx="1">
+              <a:schemeClr val="accent4"/>
+            </a:lnRef>
+            <a:fillRef idx="2">
+              <a:schemeClr val="accent4"/>
+            </a:fillRef>
+            <a:effectRef idx="1">
+              <a:schemeClr val="accent4"/>
+            </a:effectRef>
+            <a:fontRef idx="minor">
+              <a:schemeClr val="dk1"/>
+            </a:fontRef>
+          </p:style>
+          <p:txBody>
+            <a:bodyPr rtlCol="0" anchor="ctr"/>
+            <a:lstStyle/>
+            <a:p>
+              <a:pPr algn="ctr"/>
+              <a:endParaRPr lang="de-DE">
+                <a:solidFill>
+                  <a:schemeClr val="tx1"/>
+                </a:solidFill>
+              </a:endParaRPr>
+            </a:p>
+          </p:txBody>
+        </p:sp>
+      </p:grpSp>
+      <p:pic>
+        <p:nvPicPr>
+          <p:cNvPr id="6" name="Grafik 5"/>
+          <p:cNvPicPr>
+            <a:picLocks noChangeAspect="1"/>
+          </p:cNvPicPr>
+          <p:nvPr/>
+        </p:nvPicPr>
+        <p:blipFill>
+          <a:blip r:embed="rId3" cstate="print">
+            <a:extLst>
+              <a:ext uri="{28A0092B-C50C-407E-A947-70E740481C1C}">
+                <a14:useLocalDpi xmlns:a14="http://schemas.microsoft.com/office/drawing/2010/main" val="0"/>
+              </a:ext>
+            </a:extLst>
+          </a:blip>
+          <a:stretch>
+            <a:fillRect/>
+          </a:stretch>
+        </p:blipFill>
+        <p:spPr>
+          <a:xfrm>
+            <a:off x="5791200" y="4060399"/>
+            <a:ext cx="3169519" cy="1894282"/>
           </a:xfrm>
           <a:prstGeom prst="rect">
             <a:avLst/>

--- a/Präsentation/Funktionsweise.pptx
+++ b/Präsentation/Funktionsweise.pptx
@@ -9783,8 +9783,13 @@
             <a:pPr lvl="1"/>
             <a:r>
               <a:rPr lang="de-DE" dirty="0" smtClean="0"/>
-              <a:t>Als Text</a:t>
-            </a:r>
+              <a:t>Als </a:t>
+            </a:r>
+            <a:r>
+              <a:rPr lang="de-DE" dirty="0" smtClean="0"/>
+              <a:t>lokalisierter Text</a:t>
+            </a:r>
+            <a:endParaRPr lang="de-DE" dirty="0" smtClean="0"/>
           </a:p>
           <a:p>
             <a:pPr lvl="1"/>
